--- a/images/theory_analysis/WebSocket/WebSocket.pptx
+++ b/images/theory_analysis/WebSocket/WebSocket.pptx
@@ -109,7 +109,7 @@
   </p:defaultTextStyle>
   <p:extLst>
     <p:ext uri="{EFAFB233-063F-42B5-8137-9DF3F51BA10A}">
-      <p15:sldGuideLst xmlns:p15="http://schemas.microsoft.com/office/powerpoint/2012/main" xmlns="">
+      <p15:sldGuideLst xmlns="" xmlns:p15="http://schemas.microsoft.com/office/powerpoint/2012/main">
         <p15:guide id="1" orient="horz" pos="2160">
           <p15:clr>
             <a:srgbClr val="A4A3A4"/>
@@ -3637,8 +3637,8 @@
           </a:p>
           <a:p>
             <a:r>
-              <a:rPr lang="en-US" altLang="ko-KR" sz="1100" dirty="0" err="1" smtClean="0"/>
-              <a:t>Upgrage</a:t>
+              <a:rPr lang="en-US" altLang="ko-KR" sz="1100" dirty="0" smtClean="0"/>
+              <a:t>Upgrade</a:t>
             </a:r>
             <a:r>
               <a:rPr lang="en-US" altLang="ko-KR" sz="1100" dirty="0" smtClean="0"/>
@@ -3675,15 +3675,26 @@
             </a:r>
             <a:r>
               <a:rPr lang="en-US" altLang="ko-KR" sz="1100" dirty="0"/>
-              <a:t>== Sec-</a:t>
-            </a:r>
-            <a:r>
-              <a:rPr lang="en-US" altLang="ko-KR" sz="1100" dirty="0" err="1"/>
+              <a:t>== </a:t>
+            </a:r>
+            <a:endParaRPr lang="en-US" altLang="ko-KR" sz="1100" dirty="0" smtClean="0"/>
+          </a:p>
+          <a:p>
+            <a:r>
+              <a:rPr lang="en-US" altLang="ko-KR" sz="1100" dirty="0" smtClean="0"/>
+              <a:t>Sec-</a:t>
+            </a:r>
+            <a:r>
+              <a:rPr lang="en-US" altLang="ko-KR" sz="1100" dirty="0" err="1" smtClean="0"/>
               <a:t>WebSocket</a:t>
             </a:r>
             <a:r>
+              <a:rPr lang="en-US" altLang="ko-KR" sz="1100" dirty="0" smtClean="0"/>
+              <a:t>-Protocol</a:t>
+            </a:r>
+            <a:r>
               <a:rPr lang="en-US" altLang="ko-KR" sz="1100" dirty="0"/>
-              <a:t>-Protocol: chat </a:t>
+              <a:t>: chat </a:t>
             </a:r>
             <a:endParaRPr lang="en-US" altLang="ko-KR" sz="1100" dirty="0" smtClean="0"/>
           </a:p>
@@ -3735,7 +3746,7 @@
         </p:nvCxnSpPr>
         <p:spPr>
           <a:xfrm flipH="1">
-            <a:off x="2319058" y="3407132"/>
+            <a:off x="2319058" y="3363838"/>
             <a:ext cx="4228672" cy="0"/>
           </a:xfrm>
           <a:prstGeom prst="line">
@@ -3772,7 +3783,7 @@
         </p:nvSpPr>
         <p:spPr>
           <a:xfrm>
-            <a:off x="2369498" y="2392600"/>
+            <a:off x="2369498" y="2427734"/>
             <a:ext cx="4362742" cy="915635"/>
           </a:xfrm>
           <a:prstGeom prst="rect">
@@ -3855,7 +3866,7 @@
         </p:nvCxnSpPr>
         <p:spPr>
           <a:xfrm>
-            <a:off x="2319058" y="3726175"/>
+            <a:off x="2319058" y="3688075"/>
             <a:ext cx="4228672" cy="0"/>
           </a:xfrm>
           <a:prstGeom prst="line">
@@ -3892,8 +3903,8 @@
         </p:nvSpPr>
         <p:spPr>
           <a:xfrm>
-            <a:off x="1619672" y="4142278"/>
-            <a:ext cx="5946920" cy="577081"/>
+            <a:off x="2248694" y="4129648"/>
+            <a:ext cx="4896544" cy="746358"/>
           </a:xfrm>
           <a:prstGeom prst="rect">
             <a:avLst/>
@@ -3921,7 +3932,7 @@
           </a:p>
           <a:p>
             <a:r>
-              <a:rPr lang="en-US" altLang="ko-KR" sz="1100" dirty="0" smtClean="0"/>
+              <a:rPr lang="en-US" altLang="ko-KR" sz="1100" dirty="0"/>
               <a:t>= </a:t>
             </a:r>
             <a:r>
@@ -3938,15 +3949,26 @@
             </a:r>
             <a:r>
               <a:rPr lang="en-US" altLang="ko-KR" sz="1100" dirty="0" smtClean="0"/>
-              <a:t>-1(Sec-</a:t>
-            </a:r>
-            <a:r>
-              <a:rPr lang="en-US" altLang="ko-KR" sz="1100" dirty="0" err="1" smtClean="0"/>
+              <a:t>-1(</a:t>
+            </a:r>
+            <a:r>
+              <a:rPr lang="en-US" altLang="ko-KR" sz="1100" dirty="0"/>
+              <a:t>Sec-</a:t>
+            </a:r>
+            <a:r>
+              <a:rPr lang="en-US" altLang="ko-KR" sz="1100" dirty="0" err="1"/>
               <a:t>WebSocket</a:t>
             </a:r>
             <a:r>
+              <a:rPr lang="en-US" altLang="ko-KR" sz="1100" dirty="0"/>
+              <a:t>-Key </a:t>
+            </a:r>
+            <a:endParaRPr lang="en-US" altLang="ko-KR" sz="1100" dirty="0" smtClean="0"/>
+          </a:p>
+          <a:p>
+            <a:r>
               <a:rPr lang="en-US" altLang="ko-KR" sz="1100" dirty="0" smtClean="0"/>
-              <a:t>-Key + </a:t>
+              <a:t>   + CONCATENATE(</a:t>
             </a:r>
             <a:r>
               <a:rPr lang="en-US" altLang="ko-KR" sz="1100" dirty="0" err="1" smtClean="0"/>
@@ -3954,7 +3976,7 @@
             </a:r>
             <a:r>
               <a:rPr lang="en-US" altLang="ko-KR" sz="1100" dirty="0" smtClean="0"/>
-              <a:t>))</a:t>
+              <a:t>)))</a:t>
             </a:r>
           </a:p>
           <a:p>
@@ -3982,7 +4004,7 @@
         </p:nvCxnSpPr>
         <p:spPr>
           <a:xfrm>
-            <a:off x="2319059" y="3870191"/>
+            <a:off x="2319059" y="3832091"/>
             <a:ext cx="4228671" cy="0"/>
           </a:xfrm>
           <a:prstGeom prst="line">
@@ -4019,7 +4041,7 @@
         </p:nvCxnSpPr>
         <p:spPr>
           <a:xfrm>
-            <a:off x="2319059" y="4014207"/>
+            <a:off x="2319059" y="3976107"/>
             <a:ext cx="4228671" cy="0"/>
           </a:xfrm>
           <a:prstGeom prst="line">
@@ -4056,7 +4078,7 @@
         </p:nvSpPr>
         <p:spPr>
           <a:xfrm>
-            <a:off x="2801545" y="3487648"/>
+            <a:off x="2801545" y="3449548"/>
             <a:ext cx="3498646" cy="238527"/>
           </a:xfrm>
           <a:prstGeom prst="rect">

--- a/images/theory_analysis/WebSocket/WebSocket.pptx
+++ b/images/theory_analysis/WebSocket/WebSocket.pptx
@@ -109,7 +109,7 @@
   </p:defaultTextStyle>
   <p:extLst>
     <p:ext uri="{EFAFB233-063F-42B5-8137-9DF3F51BA10A}">
-      <p15:sldGuideLst xmlns="" xmlns:p15="http://schemas.microsoft.com/office/powerpoint/2012/main">
+      <p15:sldGuideLst xmlns:p15="http://schemas.microsoft.com/office/powerpoint/2012/main">
         <p15:guide id="1" orient="horz" pos="2160">
           <p15:clr>
             <a:srgbClr val="A4A3A4"/>
@@ -213,7 +213,7 @@
           <a:p>
             <a:fld id="{6CD5550B-26C4-49A9-A5BA-636EF7BE6CE9}" type="datetimeFigureOut">
               <a:rPr lang="ko-KR" altLang="en-US" smtClean="0"/>
-              <a:t>2017-12-11</a:t>
+              <a:t>2022-01-01</a:t>
             </a:fld>
             <a:endParaRPr lang="ko-KR" altLang="en-US"/>
           </a:p>
@@ -277,38 +277,37 @@
           <a:p>
             <a:pPr lvl="0"/>
             <a:r>
-              <a:rPr lang="ko-KR" altLang="en-US" smtClean="0"/>
+              <a:rPr lang="ko-KR" altLang="en-US"/>
               <a:t>마스터 텍스트 스타일을 편집합니다</a:t>
             </a:r>
           </a:p>
           <a:p>
             <a:pPr lvl="1"/>
             <a:r>
-              <a:rPr lang="ko-KR" altLang="en-US" smtClean="0"/>
+              <a:rPr lang="ko-KR" altLang="en-US"/>
               <a:t>둘째 수준</a:t>
             </a:r>
           </a:p>
           <a:p>
             <a:pPr lvl="2"/>
             <a:r>
-              <a:rPr lang="ko-KR" altLang="en-US" smtClean="0"/>
+              <a:rPr lang="ko-KR" altLang="en-US"/>
               <a:t>셋째 수준</a:t>
             </a:r>
           </a:p>
           <a:p>
             <a:pPr lvl="3"/>
             <a:r>
-              <a:rPr lang="ko-KR" altLang="en-US" smtClean="0"/>
+              <a:rPr lang="ko-KR" altLang="en-US"/>
               <a:t>넷째 수준</a:t>
             </a:r>
           </a:p>
           <a:p>
             <a:pPr lvl="4"/>
             <a:r>
-              <a:rPr lang="ko-KR" altLang="en-US" smtClean="0"/>
+              <a:rPr lang="ko-KR" altLang="en-US"/>
               <a:t>다섯째 수준</a:t>
             </a:r>
-            <a:endParaRPr lang="ko-KR" altLang="en-US"/>
           </a:p>
         </p:txBody>
       </p:sp>
@@ -519,10 +518,9 @@
           <a:lstStyle/>
           <a:p>
             <a:r>
-              <a:rPr lang="ko-KR" altLang="en-US" smtClean="0"/>
+              <a:rPr lang="ko-KR" altLang="en-US"/>
               <a:t>마스터 제목 스타일 편집</a:t>
             </a:r>
-            <a:endParaRPr lang="ko-KR" altLang="en-US"/>
           </a:p>
         </p:txBody>
       </p:sp>
@@ -638,10 +636,9 @@
           </a:lstStyle>
           <a:p>
             <a:r>
-              <a:rPr lang="ko-KR" altLang="en-US" smtClean="0"/>
+              <a:rPr lang="ko-KR" altLang="en-US"/>
               <a:t>마스터 부제목 스타일 편집</a:t>
             </a:r>
-            <a:endParaRPr lang="ko-KR" altLang="en-US"/>
           </a:p>
         </p:txBody>
       </p:sp>
@@ -662,7 +659,7 @@
           <a:p>
             <a:fld id="{FB30EDBD-1C2D-4C1E-B459-B60219FAB484}" type="datetimeFigureOut">
               <a:rPr lang="ko-KR" altLang="en-US" smtClean="0"/>
-              <a:t>2017-12-11</a:t>
+              <a:t>2022-01-01</a:t>
             </a:fld>
             <a:endParaRPr lang="ko-KR" altLang="en-US"/>
           </a:p>
@@ -751,10 +748,9 @@
           <a:lstStyle/>
           <a:p>
             <a:r>
-              <a:rPr lang="ko-KR" altLang="en-US" smtClean="0"/>
+              <a:rPr lang="ko-KR" altLang="en-US"/>
               <a:t>마스터 제목 스타일 편집</a:t>
             </a:r>
-            <a:endParaRPr lang="ko-KR" altLang="en-US"/>
           </a:p>
         </p:txBody>
       </p:sp>
@@ -775,38 +771,37 @@
           <a:p>
             <a:pPr lvl="0"/>
             <a:r>
-              <a:rPr lang="ko-KR" altLang="en-US" smtClean="0"/>
+              <a:rPr lang="ko-KR" altLang="en-US"/>
               <a:t>마스터 텍스트 스타일을 편집합니다</a:t>
             </a:r>
           </a:p>
           <a:p>
             <a:pPr lvl="1"/>
             <a:r>
-              <a:rPr lang="ko-KR" altLang="en-US" smtClean="0"/>
+              <a:rPr lang="ko-KR" altLang="en-US"/>
               <a:t>둘째 수준</a:t>
             </a:r>
           </a:p>
           <a:p>
             <a:pPr lvl="2"/>
             <a:r>
-              <a:rPr lang="ko-KR" altLang="en-US" smtClean="0"/>
+              <a:rPr lang="ko-KR" altLang="en-US"/>
               <a:t>셋째 수준</a:t>
             </a:r>
           </a:p>
           <a:p>
             <a:pPr lvl="3"/>
             <a:r>
-              <a:rPr lang="ko-KR" altLang="en-US" smtClean="0"/>
+              <a:rPr lang="ko-KR" altLang="en-US"/>
               <a:t>넷째 수준</a:t>
             </a:r>
           </a:p>
           <a:p>
             <a:pPr lvl="4"/>
             <a:r>
-              <a:rPr lang="ko-KR" altLang="en-US" smtClean="0"/>
+              <a:rPr lang="ko-KR" altLang="en-US"/>
               <a:t>다섯째 수준</a:t>
             </a:r>
-            <a:endParaRPr lang="ko-KR" altLang="en-US"/>
           </a:p>
         </p:txBody>
       </p:sp>
@@ -827,7 +822,7 @@
           <a:p>
             <a:fld id="{FB30EDBD-1C2D-4C1E-B459-B60219FAB484}" type="datetimeFigureOut">
               <a:rPr lang="ko-KR" altLang="en-US" smtClean="0"/>
-              <a:t>2017-12-11</a:t>
+              <a:t>2022-01-01</a:t>
             </a:fld>
             <a:endParaRPr lang="ko-KR" altLang="en-US"/>
           </a:p>
@@ -921,10 +916,9 @@
           <a:lstStyle/>
           <a:p>
             <a:r>
-              <a:rPr lang="ko-KR" altLang="en-US" smtClean="0"/>
+              <a:rPr lang="ko-KR" altLang="en-US"/>
               <a:t>마스터 제목 스타일 편집</a:t>
             </a:r>
-            <a:endParaRPr lang="ko-KR" altLang="en-US"/>
           </a:p>
         </p:txBody>
       </p:sp>
@@ -950,38 +944,37 @@
           <a:p>
             <a:pPr lvl="0"/>
             <a:r>
-              <a:rPr lang="ko-KR" altLang="en-US" smtClean="0"/>
+              <a:rPr lang="ko-KR" altLang="en-US"/>
               <a:t>마스터 텍스트 스타일을 편집합니다</a:t>
             </a:r>
           </a:p>
           <a:p>
             <a:pPr lvl="1"/>
             <a:r>
-              <a:rPr lang="ko-KR" altLang="en-US" smtClean="0"/>
+              <a:rPr lang="ko-KR" altLang="en-US"/>
               <a:t>둘째 수준</a:t>
             </a:r>
           </a:p>
           <a:p>
             <a:pPr lvl="2"/>
             <a:r>
-              <a:rPr lang="ko-KR" altLang="en-US" smtClean="0"/>
+              <a:rPr lang="ko-KR" altLang="en-US"/>
               <a:t>셋째 수준</a:t>
             </a:r>
           </a:p>
           <a:p>
             <a:pPr lvl="3"/>
             <a:r>
-              <a:rPr lang="ko-KR" altLang="en-US" smtClean="0"/>
+              <a:rPr lang="ko-KR" altLang="en-US"/>
               <a:t>넷째 수준</a:t>
             </a:r>
           </a:p>
           <a:p>
             <a:pPr lvl="4"/>
             <a:r>
-              <a:rPr lang="ko-KR" altLang="en-US" smtClean="0"/>
+              <a:rPr lang="ko-KR" altLang="en-US"/>
               <a:t>다섯째 수준</a:t>
             </a:r>
-            <a:endParaRPr lang="ko-KR" altLang="en-US"/>
           </a:p>
         </p:txBody>
       </p:sp>
@@ -1002,7 +995,7 @@
           <a:p>
             <a:fld id="{FB30EDBD-1C2D-4C1E-B459-B60219FAB484}" type="datetimeFigureOut">
               <a:rPr lang="ko-KR" altLang="en-US" smtClean="0"/>
-              <a:t>2017-12-11</a:t>
+              <a:t>2022-01-01</a:t>
             </a:fld>
             <a:endParaRPr lang="ko-KR" altLang="en-US"/>
           </a:p>
@@ -1091,10 +1084,9 @@
           <a:lstStyle/>
           <a:p>
             <a:r>
-              <a:rPr lang="ko-KR" altLang="en-US" smtClean="0"/>
+              <a:rPr lang="ko-KR" altLang="en-US"/>
               <a:t>마스터 제목 스타일 편집</a:t>
             </a:r>
-            <a:endParaRPr lang="ko-KR" altLang="en-US"/>
           </a:p>
         </p:txBody>
       </p:sp>
@@ -1115,38 +1107,37 @@
           <a:p>
             <a:pPr lvl="0"/>
             <a:r>
-              <a:rPr lang="ko-KR" altLang="en-US" smtClean="0"/>
+              <a:rPr lang="ko-KR" altLang="en-US"/>
               <a:t>마스터 텍스트 스타일을 편집합니다</a:t>
             </a:r>
           </a:p>
           <a:p>
             <a:pPr lvl="1"/>
             <a:r>
-              <a:rPr lang="ko-KR" altLang="en-US" smtClean="0"/>
+              <a:rPr lang="ko-KR" altLang="en-US"/>
               <a:t>둘째 수준</a:t>
             </a:r>
           </a:p>
           <a:p>
             <a:pPr lvl="2"/>
             <a:r>
-              <a:rPr lang="ko-KR" altLang="en-US" smtClean="0"/>
+              <a:rPr lang="ko-KR" altLang="en-US"/>
               <a:t>셋째 수준</a:t>
             </a:r>
           </a:p>
           <a:p>
             <a:pPr lvl="3"/>
             <a:r>
-              <a:rPr lang="ko-KR" altLang="en-US" smtClean="0"/>
+              <a:rPr lang="ko-KR" altLang="en-US"/>
               <a:t>넷째 수준</a:t>
             </a:r>
           </a:p>
           <a:p>
             <a:pPr lvl="4"/>
             <a:r>
-              <a:rPr lang="ko-KR" altLang="en-US" smtClean="0"/>
+              <a:rPr lang="ko-KR" altLang="en-US"/>
               <a:t>다섯째 수준</a:t>
             </a:r>
-            <a:endParaRPr lang="ko-KR" altLang="en-US"/>
           </a:p>
         </p:txBody>
       </p:sp>
@@ -1167,7 +1158,7 @@
           <a:p>
             <a:fld id="{FB30EDBD-1C2D-4C1E-B459-B60219FAB484}" type="datetimeFigureOut">
               <a:rPr lang="ko-KR" altLang="en-US" smtClean="0"/>
-              <a:t>2017-12-11</a:t>
+              <a:t>2022-01-01</a:t>
             </a:fld>
             <a:endParaRPr lang="ko-KR" altLang="en-US"/>
           </a:p>
@@ -1220,13 +1211,6 @@
   <p:clrMapOvr>
     <a:masterClrMapping/>
   </p:clrMapOvr>
-  <p:timing>
-    <p:tnLst>
-      <p:par>
-        <p:cTn id="1" dur="indefinite" restart="never" nodeType="tmRoot"/>
-      </p:par>
-    </p:tnLst>
-  </p:timing>
 </p:sldLayout>
 </file>
 
@@ -1272,10 +1256,9 @@
           </a:lstStyle>
           <a:p>
             <a:r>
-              <a:rPr lang="ko-KR" altLang="en-US" smtClean="0"/>
+              <a:rPr lang="ko-KR" altLang="en-US"/>
               <a:t>마스터 제목 스타일 편집</a:t>
             </a:r>
-            <a:endParaRPr lang="ko-KR" altLang="en-US"/>
           </a:p>
         </p:txBody>
       </p:sp>
@@ -1392,7 +1375,7 @@
           <a:p>
             <a:pPr lvl="0"/>
             <a:r>
-              <a:rPr lang="ko-KR" altLang="en-US" smtClean="0"/>
+              <a:rPr lang="ko-KR" altLang="en-US"/>
               <a:t>마스터 텍스트 스타일을 편집합니다</a:t>
             </a:r>
           </a:p>
@@ -1415,7 +1398,7 @@
           <a:p>
             <a:fld id="{FB30EDBD-1C2D-4C1E-B459-B60219FAB484}" type="datetimeFigureOut">
               <a:rPr lang="ko-KR" altLang="en-US" smtClean="0"/>
-              <a:t>2017-12-11</a:t>
+              <a:t>2022-01-01</a:t>
             </a:fld>
             <a:endParaRPr lang="ko-KR" altLang="en-US"/>
           </a:p>
@@ -1504,10 +1487,9 @@
           <a:lstStyle/>
           <a:p>
             <a:r>
-              <a:rPr lang="ko-KR" altLang="en-US" smtClean="0"/>
+              <a:rPr lang="ko-KR" altLang="en-US"/>
               <a:t>마스터 제목 스타일 편집</a:t>
             </a:r>
-            <a:endParaRPr lang="ko-KR" altLang="en-US"/>
           </a:p>
         </p:txBody>
       </p:sp>
@@ -1561,38 +1543,37 @@
           <a:p>
             <a:pPr lvl="0"/>
             <a:r>
-              <a:rPr lang="ko-KR" altLang="en-US" smtClean="0"/>
+              <a:rPr lang="ko-KR" altLang="en-US"/>
               <a:t>마스터 텍스트 스타일을 편집합니다</a:t>
             </a:r>
           </a:p>
           <a:p>
             <a:pPr lvl="1"/>
             <a:r>
-              <a:rPr lang="ko-KR" altLang="en-US" smtClean="0"/>
+              <a:rPr lang="ko-KR" altLang="en-US"/>
               <a:t>둘째 수준</a:t>
             </a:r>
           </a:p>
           <a:p>
             <a:pPr lvl="2"/>
             <a:r>
-              <a:rPr lang="ko-KR" altLang="en-US" smtClean="0"/>
+              <a:rPr lang="ko-KR" altLang="en-US"/>
               <a:t>셋째 수준</a:t>
             </a:r>
           </a:p>
           <a:p>
             <a:pPr lvl="3"/>
             <a:r>
-              <a:rPr lang="ko-KR" altLang="en-US" smtClean="0"/>
+              <a:rPr lang="ko-KR" altLang="en-US"/>
               <a:t>넷째 수준</a:t>
             </a:r>
           </a:p>
           <a:p>
             <a:pPr lvl="4"/>
             <a:r>
-              <a:rPr lang="ko-KR" altLang="en-US" smtClean="0"/>
+              <a:rPr lang="ko-KR" altLang="en-US"/>
               <a:t>다섯째 수준</a:t>
             </a:r>
-            <a:endParaRPr lang="ko-KR" altLang="en-US"/>
           </a:p>
         </p:txBody>
       </p:sp>
@@ -1646,38 +1627,37 @@
           <a:p>
             <a:pPr lvl="0"/>
             <a:r>
-              <a:rPr lang="ko-KR" altLang="en-US" smtClean="0"/>
+              <a:rPr lang="ko-KR" altLang="en-US"/>
               <a:t>마스터 텍스트 스타일을 편집합니다</a:t>
             </a:r>
           </a:p>
           <a:p>
             <a:pPr lvl="1"/>
             <a:r>
-              <a:rPr lang="ko-KR" altLang="en-US" smtClean="0"/>
+              <a:rPr lang="ko-KR" altLang="en-US"/>
               <a:t>둘째 수준</a:t>
             </a:r>
           </a:p>
           <a:p>
             <a:pPr lvl="2"/>
             <a:r>
-              <a:rPr lang="ko-KR" altLang="en-US" smtClean="0"/>
+              <a:rPr lang="ko-KR" altLang="en-US"/>
               <a:t>셋째 수준</a:t>
             </a:r>
           </a:p>
           <a:p>
             <a:pPr lvl="3"/>
             <a:r>
-              <a:rPr lang="ko-KR" altLang="en-US" smtClean="0"/>
+              <a:rPr lang="ko-KR" altLang="en-US"/>
               <a:t>넷째 수준</a:t>
             </a:r>
           </a:p>
           <a:p>
             <a:pPr lvl="4"/>
             <a:r>
-              <a:rPr lang="ko-KR" altLang="en-US" smtClean="0"/>
+              <a:rPr lang="ko-KR" altLang="en-US"/>
               <a:t>다섯째 수준</a:t>
             </a:r>
-            <a:endParaRPr lang="ko-KR" altLang="en-US"/>
           </a:p>
         </p:txBody>
       </p:sp>
@@ -1698,7 +1678,7 @@
           <a:p>
             <a:fld id="{FB30EDBD-1C2D-4C1E-B459-B60219FAB484}" type="datetimeFigureOut">
               <a:rPr lang="ko-KR" altLang="en-US" smtClean="0"/>
-              <a:t>2017-12-11</a:t>
+              <a:t>2022-01-01</a:t>
             </a:fld>
             <a:endParaRPr lang="ko-KR" altLang="en-US"/>
           </a:p>
@@ -1791,10 +1771,9 @@
           </a:lstStyle>
           <a:p>
             <a:r>
-              <a:rPr lang="ko-KR" altLang="en-US" smtClean="0"/>
+              <a:rPr lang="ko-KR" altLang="en-US"/>
               <a:t>마스터 제목 스타일 편집</a:t>
             </a:r>
-            <a:endParaRPr lang="ko-KR" altLang="en-US"/>
           </a:p>
         </p:txBody>
       </p:sp>
@@ -1857,7 +1836,7 @@
           <a:p>
             <a:pPr lvl="0"/>
             <a:r>
-              <a:rPr lang="ko-KR" altLang="en-US" smtClean="0"/>
+              <a:rPr lang="ko-KR" altLang="en-US"/>
               <a:t>마스터 텍스트 스타일을 편집합니다</a:t>
             </a:r>
           </a:p>
@@ -1913,38 +1892,37 @@
           <a:p>
             <a:pPr lvl="0"/>
             <a:r>
-              <a:rPr lang="ko-KR" altLang="en-US" smtClean="0"/>
+              <a:rPr lang="ko-KR" altLang="en-US"/>
               <a:t>마스터 텍스트 스타일을 편집합니다</a:t>
             </a:r>
           </a:p>
           <a:p>
             <a:pPr lvl="1"/>
             <a:r>
-              <a:rPr lang="ko-KR" altLang="en-US" smtClean="0"/>
+              <a:rPr lang="ko-KR" altLang="en-US"/>
               <a:t>둘째 수준</a:t>
             </a:r>
           </a:p>
           <a:p>
             <a:pPr lvl="2"/>
             <a:r>
-              <a:rPr lang="ko-KR" altLang="en-US" smtClean="0"/>
+              <a:rPr lang="ko-KR" altLang="en-US"/>
               <a:t>셋째 수준</a:t>
             </a:r>
           </a:p>
           <a:p>
             <a:pPr lvl="3"/>
             <a:r>
-              <a:rPr lang="ko-KR" altLang="en-US" smtClean="0"/>
+              <a:rPr lang="ko-KR" altLang="en-US"/>
               <a:t>넷째 수준</a:t>
             </a:r>
           </a:p>
           <a:p>
             <a:pPr lvl="4"/>
             <a:r>
-              <a:rPr lang="ko-KR" altLang="en-US" smtClean="0"/>
+              <a:rPr lang="ko-KR" altLang="en-US"/>
               <a:t>다섯째 수준</a:t>
             </a:r>
-            <a:endParaRPr lang="ko-KR" altLang="en-US"/>
           </a:p>
         </p:txBody>
       </p:sp>
@@ -2007,7 +1985,7 @@
           <a:p>
             <a:pPr lvl="0"/>
             <a:r>
-              <a:rPr lang="ko-KR" altLang="en-US" smtClean="0"/>
+              <a:rPr lang="ko-KR" altLang="en-US"/>
               <a:t>마스터 텍스트 스타일을 편집합니다</a:t>
             </a:r>
           </a:p>
@@ -2063,38 +2041,37 @@
           <a:p>
             <a:pPr lvl="0"/>
             <a:r>
-              <a:rPr lang="ko-KR" altLang="en-US" smtClean="0"/>
+              <a:rPr lang="ko-KR" altLang="en-US"/>
               <a:t>마스터 텍스트 스타일을 편집합니다</a:t>
             </a:r>
           </a:p>
           <a:p>
             <a:pPr lvl="1"/>
             <a:r>
-              <a:rPr lang="ko-KR" altLang="en-US" smtClean="0"/>
+              <a:rPr lang="ko-KR" altLang="en-US"/>
               <a:t>둘째 수준</a:t>
             </a:r>
           </a:p>
           <a:p>
             <a:pPr lvl="2"/>
             <a:r>
-              <a:rPr lang="ko-KR" altLang="en-US" smtClean="0"/>
+              <a:rPr lang="ko-KR" altLang="en-US"/>
               <a:t>셋째 수준</a:t>
             </a:r>
           </a:p>
           <a:p>
             <a:pPr lvl="3"/>
             <a:r>
-              <a:rPr lang="ko-KR" altLang="en-US" smtClean="0"/>
+              <a:rPr lang="ko-KR" altLang="en-US"/>
               <a:t>넷째 수준</a:t>
             </a:r>
           </a:p>
           <a:p>
             <a:pPr lvl="4"/>
             <a:r>
-              <a:rPr lang="ko-KR" altLang="en-US" smtClean="0"/>
+              <a:rPr lang="ko-KR" altLang="en-US"/>
               <a:t>다섯째 수준</a:t>
             </a:r>
-            <a:endParaRPr lang="ko-KR" altLang="en-US"/>
           </a:p>
         </p:txBody>
       </p:sp>
@@ -2115,7 +2092,7 @@
           <a:p>
             <a:fld id="{FB30EDBD-1C2D-4C1E-B459-B60219FAB484}" type="datetimeFigureOut">
               <a:rPr lang="ko-KR" altLang="en-US" smtClean="0"/>
-              <a:t>2017-12-11</a:t>
+              <a:t>2022-01-01</a:t>
             </a:fld>
             <a:endParaRPr lang="ko-KR" altLang="en-US"/>
           </a:p>
@@ -2204,10 +2181,9 @@
           <a:lstStyle/>
           <a:p>
             <a:r>
-              <a:rPr lang="ko-KR" altLang="en-US" smtClean="0"/>
+              <a:rPr lang="ko-KR" altLang="en-US"/>
               <a:t>마스터 제목 스타일 편집</a:t>
             </a:r>
-            <a:endParaRPr lang="ko-KR" altLang="en-US"/>
           </a:p>
         </p:txBody>
       </p:sp>
@@ -2228,7 +2204,7 @@
           <a:p>
             <a:fld id="{FB30EDBD-1C2D-4C1E-B459-B60219FAB484}" type="datetimeFigureOut">
               <a:rPr lang="ko-KR" altLang="en-US" smtClean="0"/>
-              <a:t>2017-12-11</a:t>
+              <a:t>2022-01-01</a:t>
             </a:fld>
             <a:endParaRPr lang="ko-KR" altLang="en-US"/>
           </a:p>
@@ -2318,7 +2294,7 @@
           <a:p>
             <a:fld id="{FB30EDBD-1C2D-4C1E-B459-B60219FAB484}" type="datetimeFigureOut">
               <a:rPr lang="ko-KR" altLang="en-US" smtClean="0"/>
-              <a:t>2017-12-11</a:t>
+              <a:t>2022-01-01</a:t>
             </a:fld>
             <a:endParaRPr lang="ko-KR" altLang="en-US"/>
           </a:p>
@@ -2416,10 +2392,9 @@
           </a:lstStyle>
           <a:p>
             <a:r>
-              <a:rPr lang="ko-KR" altLang="en-US" smtClean="0"/>
+              <a:rPr lang="ko-KR" altLang="en-US"/>
               <a:t>마스터 제목 스타일 편집</a:t>
             </a:r>
-            <a:endParaRPr lang="ko-KR" altLang="en-US"/>
           </a:p>
         </p:txBody>
       </p:sp>
@@ -2473,38 +2448,37 @@
           <a:p>
             <a:pPr lvl="0"/>
             <a:r>
-              <a:rPr lang="ko-KR" altLang="en-US" smtClean="0"/>
+              <a:rPr lang="ko-KR" altLang="en-US"/>
               <a:t>마스터 텍스트 스타일을 편집합니다</a:t>
             </a:r>
           </a:p>
           <a:p>
             <a:pPr lvl="1"/>
             <a:r>
-              <a:rPr lang="ko-KR" altLang="en-US" smtClean="0"/>
+              <a:rPr lang="ko-KR" altLang="en-US"/>
               <a:t>둘째 수준</a:t>
             </a:r>
           </a:p>
           <a:p>
             <a:pPr lvl="2"/>
             <a:r>
-              <a:rPr lang="ko-KR" altLang="en-US" smtClean="0"/>
+              <a:rPr lang="ko-KR" altLang="en-US"/>
               <a:t>셋째 수준</a:t>
             </a:r>
           </a:p>
           <a:p>
             <a:pPr lvl="3"/>
             <a:r>
-              <a:rPr lang="ko-KR" altLang="en-US" smtClean="0"/>
+              <a:rPr lang="ko-KR" altLang="en-US"/>
               <a:t>넷째 수준</a:t>
             </a:r>
           </a:p>
           <a:p>
             <a:pPr lvl="4"/>
             <a:r>
-              <a:rPr lang="ko-KR" altLang="en-US" smtClean="0"/>
+              <a:rPr lang="ko-KR" altLang="en-US"/>
               <a:t>다섯째 수준</a:t>
             </a:r>
-            <a:endParaRPr lang="ko-KR" altLang="en-US"/>
           </a:p>
         </p:txBody>
       </p:sp>
@@ -2567,7 +2541,7 @@
           <a:p>
             <a:pPr lvl="0"/>
             <a:r>
-              <a:rPr lang="ko-KR" altLang="en-US" smtClean="0"/>
+              <a:rPr lang="ko-KR" altLang="en-US"/>
               <a:t>마스터 텍스트 스타일을 편집합니다</a:t>
             </a:r>
           </a:p>
@@ -2590,7 +2564,7 @@
           <a:p>
             <a:fld id="{FB30EDBD-1C2D-4C1E-B459-B60219FAB484}" type="datetimeFigureOut">
               <a:rPr lang="ko-KR" altLang="en-US" smtClean="0"/>
-              <a:t>2017-12-11</a:t>
+              <a:t>2022-01-01</a:t>
             </a:fld>
             <a:endParaRPr lang="ko-KR" altLang="en-US"/>
           </a:p>
@@ -2688,10 +2662,9 @@
           </a:lstStyle>
           <a:p>
             <a:r>
-              <a:rPr lang="ko-KR" altLang="en-US" smtClean="0"/>
+              <a:rPr lang="ko-KR" altLang="en-US"/>
               <a:t>마스터 제목 스타일 편집</a:t>
             </a:r>
-            <a:endParaRPr lang="ko-KR" altLang="en-US"/>
           </a:p>
         </p:txBody>
       </p:sp>
@@ -2815,7 +2788,7 @@
           <a:p>
             <a:pPr lvl="0"/>
             <a:r>
-              <a:rPr lang="ko-KR" altLang="en-US" smtClean="0"/>
+              <a:rPr lang="ko-KR" altLang="en-US"/>
               <a:t>마스터 텍스트 스타일을 편집합니다</a:t>
             </a:r>
           </a:p>
@@ -2838,7 +2811,7 @@
           <a:p>
             <a:fld id="{FB30EDBD-1C2D-4C1E-B459-B60219FAB484}" type="datetimeFigureOut">
               <a:rPr lang="ko-KR" altLang="en-US" smtClean="0"/>
-              <a:t>2017-12-11</a:t>
+              <a:t>2022-01-01</a:t>
             </a:fld>
             <a:endParaRPr lang="ko-KR" altLang="en-US"/>
           </a:p>
@@ -2942,10 +2915,9 @@
           <a:lstStyle/>
           <a:p>
             <a:r>
-              <a:rPr lang="ko-KR" altLang="en-US" smtClean="0"/>
+              <a:rPr lang="ko-KR" altLang="en-US"/>
               <a:t>마스터 제목 스타일 편집</a:t>
             </a:r>
-            <a:endParaRPr lang="ko-KR" altLang="en-US"/>
           </a:p>
         </p:txBody>
       </p:sp>
@@ -2976,38 +2948,37 @@
           <a:p>
             <a:pPr lvl="0"/>
             <a:r>
-              <a:rPr lang="ko-KR" altLang="en-US" smtClean="0"/>
+              <a:rPr lang="ko-KR" altLang="en-US"/>
               <a:t>마스터 텍스트 스타일을 편집합니다</a:t>
             </a:r>
           </a:p>
           <a:p>
             <a:pPr lvl="1"/>
             <a:r>
-              <a:rPr lang="ko-KR" altLang="en-US" smtClean="0"/>
+              <a:rPr lang="ko-KR" altLang="en-US"/>
               <a:t>둘째 수준</a:t>
             </a:r>
           </a:p>
           <a:p>
             <a:pPr lvl="2"/>
             <a:r>
-              <a:rPr lang="ko-KR" altLang="en-US" smtClean="0"/>
+              <a:rPr lang="ko-KR" altLang="en-US"/>
               <a:t>셋째 수준</a:t>
             </a:r>
           </a:p>
           <a:p>
             <a:pPr lvl="3"/>
             <a:r>
-              <a:rPr lang="ko-KR" altLang="en-US" smtClean="0"/>
+              <a:rPr lang="ko-KR" altLang="en-US"/>
               <a:t>넷째 수준</a:t>
             </a:r>
           </a:p>
           <a:p>
             <a:pPr lvl="4"/>
             <a:r>
-              <a:rPr lang="ko-KR" altLang="en-US" smtClean="0"/>
+              <a:rPr lang="ko-KR" altLang="en-US"/>
               <a:t>다섯째 수준</a:t>
             </a:r>
-            <a:endParaRPr lang="ko-KR" altLang="en-US"/>
           </a:p>
         </p:txBody>
       </p:sp>
@@ -3046,7 +3017,7 @@
           <a:p>
             <a:fld id="{FB30EDBD-1C2D-4C1E-B459-B60219FAB484}" type="datetimeFigureOut">
               <a:rPr lang="ko-KR" altLang="en-US" smtClean="0"/>
-              <a:t>2017-12-11</a:t>
+              <a:t>2022-01-01</a:t>
             </a:fld>
             <a:endParaRPr lang="ko-KR" altLang="en-US"/>
           </a:p>
@@ -3420,13 +3391,94 @@
         <p:nvCxnSpPr>
           <p:cNvPr id="3" name="직선 연결선 2"/>
           <p:cNvCxnSpPr>
+            <a:cxnSpLocks/>
             <a:stCxn id="4" idx="2"/>
           </p:cNvCxnSpPr>
           <p:nvPr/>
         </p:nvCxnSpPr>
         <p:spPr>
           <a:xfrm>
-            <a:off x="2319059" y="771550"/>
+            <a:off x="2319059" y="910050"/>
+            <a:ext cx="0" cy="3206709"/>
+          </a:xfrm>
+          <a:prstGeom prst="line">
+            <a:avLst/>
+          </a:prstGeom>
+          <a:ln w="28575">
+            <a:solidFill>
+              <a:schemeClr val="tx1"/>
+            </a:solidFill>
+          </a:ln>
+        </p:spPr>
+        <p:style>
+          <a:lnRef idx="1">
+            <a:schemeClr val="accent1"/>
+          </a:lnRef>
+          <a:fillRef idx="0">
+            <a:schemeClr val="accent1"/>
+          </a:fillRef>
+          <a:effectRef idx="0">
+            <a:schemeClr val="accent1"/>
+          </a:effectRef>
+          <a:fontRef idx="minor">
+            <a:schemeClr val="tx1"/>
+          </a:fontRef>
+        </p:style>
+      </p:cxnSp>
+      <p:sp>
+        <p:nvSpPr>
+          <p:cNvPr id="4" name="TextBox 3"/>
+          <p:cNvSpPr txBox="1"/>
+          <p:nvPr/>
+        </p:nvSpPr>
+        <p:spPr>
+          <a:xfrm>
+            <a:off x="1434269" y="286802"/>
+            <a:ext cx="1769580" cy="623248"/>
+          </a:xfrm>
+          <a:prstGeom prst="rect">
+            <a:avLst/>
+          </a:prstGeom>
+          <a:noFill/>
+        </p:spPr>
+        <p:txBody>
+          <a:bodyPr wrap="square" lIns="68580" tIns="34290" rIns="68580" bIns="34290" rtlCol="0" anchor="ctr">
+            <a:spAutoFit/>
+          </a:bodyPr>
+          <a:lstStyle/>
+          <a:p>
+            <a:pPr algn="ctr"/>
+            <a:r>
+              <a:rPr lang="en-US" altLang="ko-KR"/>
+              <a:t>Web</a:t>
+            </a:r>
+            <a:r>
+              <a:rPr lang="ko-KR" altLang="en-US"/>
+              <a:t> </a:t>
+            </a:r>
+            <a:endParaRPr lang="en-US" altLang="ko-KR"/>
+          </a:p>
+          <a:p>
+            <a:pPr algn="ctr"/>
+            <a:r>
+              <a:rPr lang="en-US" altLang="ko-KR"/>
+              <a:t>Browser</a:t>
+            </a:r>
+            <a:endParaRPr lang="ko-KR" altLang="en-US" dirty="0"/>
+          </a:p>
+        </p:txBody>
+      </p:sp>
+      <p:cxnSp>
+        <p:nvCxnSpPr>
+          <p:cNvPr id="5" name="직선 연결선 4"/>
+          <p:cNvCxnSpPr>
+            <a:stCxn id="6" idx="2"/>
+          </p:cNvCxnSpPr>
+          <p:nvPr/>
+        </p:nvCxnSpPr>
+        <p:spPr>
+          <a:xfrm>
+            <a:off x="6763755" y="771550"/>
             <a:ext cx="0" cy="3345209"/>
           </a:xfrm>
           <a:prstGeom prst="line">
@@ -3455,13 +3507,13 @@
       </p:cxnSp>
       <p:sp>
         <p:nvSpPr>
-          <p:cNvPr id="4" name="TextBox 3"/>
+          <p:cNvPr id="6" name="TextBox 5"/>
           <p:cNvSpPr txBox="1"/>
           <p:nvPr/>
         </p:nvSpPr>
         <p:spPr>
           <a:xfrm>
-            <a:off x="1918525" y="425301"/>
+            <a:off x="6363221" y="425301"/>
             <a:ext cx="801067" cy="346249"/>
           </a:xfrm>
           <a:prstGeom prst="rect">
@@ -3477,8 +3529,8 @@
           <a:p>
             <a:pPr algn="ctr"/>
             <a:r>
-              <a:rPr lang="en-US" altLang="ko-KR" dirty="0" smtClean="0"/>
-              <a:t>Client</a:t>
+              <a:rPr lang="en-US" altLang="ko-KR" dirty="0"/>
+              <a:t>Server</a:t>
             </a:r>
             <a:endParaRPr lang="ko-KR" altLang="en-US" dirty="0"/>
           </a:p>
@@ -3486,82 +3538,16 @@
       </p:sp>
       <p:cxnSp>
         <p:nvCxnSpPr>
-          <p:cNvPr id="5" name="직선 연결선 4"/>
+          <p:cNvPr id="7" name="직선 연결선 6"/>
           <p:cNvCxnSpPr>
-            <a:stCxn id="6" idx="2"/>
+            <a:cxnSpLocks/>
           </p:cNvCxnSpPr>
           <p:nvPr/>
         </p:nvCxnSpPr>
         <p:spPr>
           <a:xfrm>
-            <a:off x="6547731" y="771550"/>
-            <a:ext cx="0" cy="3345209"/>
-          </a:xfrm>
-          <a:prstGeom prst="line">
-            <a:avLst/>
-          </a:prstGeom>
-          <a:ln w="28575">
-            <a:solidFill>
-              <a:schemeClr val="tx1"/>
-            </a:solidFill>
-          </a:ln>
-        </p:spPr>
-        <p:style>
-          <a:lnRef idx="1">
-            <a:schemeClr val="accent1"/>
-          </a:lnRef>
-          <a:fillRef idx="0">
-            <a:schemeClr val="accent1"/>
-          </a:fillRef>
-          <a:effectRef idx="0">
-            <a:schemeClr val="accent1"/>
-          </a:effectRef>
-          <a:fontRef idx="minor">
-            <a:schemeClr val="tx1"/>
-          </a:fontRef>
-        </p:style>
-      </p:cxnSp>
-      <p:sp>
-        <p:nvSpPr>
-          <p:cNvPr id="6" name="TextBox 5"/>
-          <p:cNvSpPr txBox="1"/>
-          <p:nvPr/>
-        </p:nvSpPr>
-        <p:spPr>
-          <a:xfrm>
-            <a:off x="6147197" y="425301"/>
-            <a:ext cx="801067" cy="346249"/>
-          </a:xfrm>
-          <a:prstGeom prst="rect">
-            <a:avLst/>
-          </a:prstGeom>
-          <a:noFill/>
-        </p:spPr>
-        <p:txBody>
-          <a:bodyPr wrap="square" lIns="68580" tIns="34290" rIns="68580" bIns="34290" rtlCol="0" anchor="ctr">
-            <a:spAutoFit/>
-          </a:bodyPr>
-          <a:lstStyle/>
-          <a:p>
-            <a:pPr algn="ctr"/>
-            <a:r>
-              <a:rPr lang="en-US" altLang="ko-KR" dirty="0" smtClean="0"/>
-              <a:t>Server</a:t>
-            </a:r>
-            <a:endParaRPr lang="ko-KR" altLang="en-US" dirty="0"/>
-          </a:p>
-        </p:txBody>
-      </p:sp>
-      <p:cxnSp>
-        <p:nvCxnSpPr>
-          <p:cNvPr id="7" name="직선 연결선 6"/>
-          <p:cNvCxnSpPr/>
-          <p:nvPr/>
-        </p:nvCxnSpPr>
-        <p:spPr>
-          <a:xfrm>
             <a:off x="2319058" y="2237523"/>
-            <a:ext cx="4228672" cy="0"/>
+            <a:ext cx="4444697" cy="0"/>
           </a:xfrm>
           <a:prstGeom prst="line">
             <a:avLst/>
@@ -3613,15 +3599,7 @@
           <a:p>
             <a:r>
               <a:rPr lang="en-US" altLang="ko-KR" sz="1100" dirty="0"/>
-              <a:t>GET </a:t>
-            </a:r>
-            <a:r>
-              <a:rPr lang="en-US" altLang="ko-KR" sz="1100" dirty="0" smtClean="0"/>
-              <a:t>/chat </a:t>
-            </a:r>
-            <a:r>
-              <a:rPr lang="en-US" altLang="ko-KR" sz="1100" dirty="0"/>
-              <a:t>HTTP/1.1</a:t>
+              <a:t>GET /chat HTTP/1.1</a:t>
             </a:r>
           </a:p>
           <a:p>
@@ -3630,108 +3608,85 @@
               <a:t>Host: </a:t>
             </a:r>
             <a:r>
-              <a:rPr lang="en-US" altLang="ko-KR" sz="1100" dirty="0" err="1" smtClean="0"/>
+              <a:rPr lang="en-US" altLang="ko-KR" sz="1100" dirty="0" err="1"/>
               <a:t>ssup2.com</a:t>
             </a:r>
-            <a:endParaRPr lang="en-US" altLang="ko-KR" sz="1100" dirty="0" smtClean="0"/>
-          </a:p>
-          <a:p>
-            <a:r>
-              <a:rPr lang="en-US" altLang="ko-KR" sz="1100" dirty="0" smtClean="0"/>
-              <a:t>Upgrade</a:t>
-            </a:r>
-            <a:r>
-              <a:rPr lang="en-US" altLang="ko-KR" sz="1100" dirty="0" smtClean="0"/>
-              <a:t>: </a:t>
-            </a:r>
-            <a:r>
-              <a:rPr lang="en-US" altLang="ko-KR" sz="1100" dirty="0" err="1" smtClean="0"/>
+            <a:endParaRPr lang="en-US" altLang="ko-KR" sz="1100" dirty="0"/>
+          </a:p>
+          <a:p>
+            <a:r>
+              <a:rPr lang="en-US" altLang="ko-KR" sz="1100" b="1" dirty="0"/>
+              <a:t>Upgrade: </a:t>
+            </a:r>
+            <a:r>
+              <a:rPr lang="en-US" altLang="ko-KR" sz="1100" b="1" dirty="0" err="1"/>
               <a:t>websocket</a:t>
             </a:r>
-            <a:endParaRPr lang="en-US" altLang="ko-KR" sz="1100" dirty="0" smtClean="0"/>
-          </a:p>
-          <a:p>
-            <a:r>
-              <a:rPr lang="en-US" altLang="ko-KR" sz="1100" dirty="0" smtClean="0"/>
+            <a:endParaRPr lang="en-US" altLang="ko-KR" sz="1100" b="1" dirty="0"/>
+          </a:p>
+          <a:p>
+            <a:r>
+              <a:rPr lang="en-US" altLang="ko-KR" sz="1100" b="1" dirty="0"/>
               <a:t>Connection: Upgrade</a:t>
             </a:r>
           </a:p>
           <a:p>
             <a:r>
+              <a:rPr lang="en-US" altLang="ko-KR" sz="1100" b="1" dirty="0"/>
+              <a:t>Sec-</a:t>
+            </a:r>
+            <a:r>
+              <a:rPr lang="en-US" altLang="ko-KR" sz="1100" b="1" dirty="0" err="1"/>
+              <a:t>WebSocket</a:t>
+            </a:r>
+            <a:r>
+              <a:rPr lang="en-US" altLang="ko-KR" sz="1100" b="1" dirty="0"/>
+              <a:t>-Key: </a:t>
+            </a:r>
+            <a:r>
+              <a:rPr lang="en-US" altLang="ko-KR" sz="1100" b="1" dirty="0" err="1"/>
+              <a:t>x3JJHMbDL1EzLkh9GBhXDw</a:t>
+            </a:r>
+            <a:r>
+              <a:rPr lang="en-US" altLang="ko-KR" sz="1100" b="1" dirty="0"/>
+              <a:t>== </a:t>
+            </a:r>
+          </a:p>
+          <a:p>
+            <a:r>
+              <a:rPr lang="en-US" altLang="ko-KR" sz="1100" b="1" dirty="0"/>
+              <a:t>Sec-</a:t>
+            </a:r>
+            <a:r>
+              <a:rPr lang="en-US" altLang="ko-KR" sz="1100" b="1" dirty="0" err="1"/>
+              <a:t>WebSocket</a:t>
+            </a:r>
+            <a:r>
+              <a:rPr lang="en-US" altLang="ko-KR" sz="1100" b="1" dirty="0"/>
+              <a:t>-Protocol: chat </a:t>
+            </a:r>
+          </a:p>
+          <a:p>
+            <a:r>
+              <a:rPr lang="en-US" altLang="ko-KR" sz="1100" b="1" dirty="0"/>
+              <a:t>Sec-</a:t>
+            </a:r>
+            <a:r>
+              <a:rPr lang="en-US" altLang="ko-KR" sz="1100" b="1" dirty="0" err="1"/>
+              <a:t>WebSocket</a:t>
+            </a:r>
+            <a:r>
+              <a:rPr lang="en-US" altLang="ko-KR" sz="1100" b="1" dirty="0"/>
+              <a:t>-Version: 13 </a:t>
+            </a:r>
+          </a:p>
+          <a:p>
+            <a:r>
               <a:rPr lang="en-US" altLang="ko-KR" sz="1100" dirty="0"/>
-              <a:t>Sec-</a:t>
+              <a:t>Origin: https://</a:t>
             </a:r>
             <a:r>
               <a:rPr lang="en-US" altLang="ko-KR" sz="1100" dirty="0" err="1"/>
-              <a:t>WebSocket</a:t>
-            </a:r>
-            <a:r>
-              <a:rPr lang="en-US" altLang="ko-KR" sz="1100" dirty="0"/>
-              <a:t>-Key: </a:t>
-            </a:r>
-            <a:r>
-              <a:rPr lang="en-US" altLang="ko-KR" sz="1100" dirty="0" err="1"/>
-              <a:t>x3JJHMbDL1EzLkh9GBhXDw</a:t>
-            </a:r>
-            <a:r>
-              <a:rPr lang="en-US" altLang="ko-KR" sz="1100" dirty="0"/>
-              <a:t>== </a:t>
-            </a:r>
-            <a:endParaRPr lang="en-US" altLang="ko-KR" sz="1100" dirty="0" smtClean="0"/>
-          </a:p>
-          <a:p>
-            <a:r>
-              <a:rPr lang="en-US" altLang="ko-KR" sz="1100" dirty="0" smtClean="0"/>
-              <a:t>Sec-</a:t>
-            </a:r>
-            <a:r>
-              <a:rPr lang="en-US" altLang="ko-KR" sz="1100" dirty="0" err="1" smtClean="0"/>
-              <a:t>WebSocket</a:t>
-            </a:r>
-            <a:r>
-              <a:rPr lang="en-US" altLang="ko-KR" sz="1100" dirty="0" smtClean="0"/>
-              <a:t>-Protocol</a:t>
-            </a:r>
-            <a:r>
-              <a:rPr lang="en-US" altLang="ko-KR" sz="1100" dirty="0"/>
-              <a:t>: chat </a:t>
-            </a:r>
-            <a:endParaRPr lang="en-US" altLang="ko-KR" sz="1100" dirty="0" smtClean="0"/>
-          </a:p>
-          <a:p>
-            <a:r>
-              <a:rPr lang="en-US" altLang="ko-KR" sz="1100" dirty="0" smtClean="0"/>
-              <a:t>Sec-</a:t>
-            </a:r>
-            <a:r>
-              <a:rPr lang="en-US" altLang="ko-KR" sz="1100" dirty="0" err="1" smtClean="0"/>
-              <a:t>WebSocket</a:t>
-            </a:r>
-            <a:r>
-              <a:rPr lang="en-US" altLang="ko-KR" sz="1100" dirty="0" smtClean="0"/>
-              <a:t>-Version</a:t>
-            </a:r>
-            <a:r>
-              <a:rPr lang="en-US" altLang="ko-KR" sz="1100" dirty="0"/>
-              <a:t>: 13 </a:t>
-            </a:r>
-            <a:endParaRPr lang="en-US" altLang="ko-KR" sz="1100" dirty="0" smtClean="0"/>
-          </a:p>
-          <a:p>
-            <a:r>
-              <a:rPr lang="en-US" altLang="ko-KR" sz="1100" dirty="0" smtClean="0"/>
-              <a:t>Origin</a:t>
-            </a:r>
-            <a:r>
-              <a:rPr lang="en-US" altLang="ko-KR" sz="1100" dirty="0"/>
-              <a:t>: </a:t>
-            </a:r>
-            <a:r>
-              <a:rPr lang="en-US" altLang="ko-KR" sz="1100" dirty="0" smtClean="0"/>
-              <a:t>https://</a:t>
-            </a:r>
-            <a:r>
-              <a:rPr lang="en-US" altLang="ko-KR" sz="1100" dirty="0" err="1" smtClean="0"/>
               <a:t>ssup2.com</a:t>
             </a:r>
             <a:endParaRPr lang="ko-KR" altLang="en-US" sz="1100" dirty="0"/>
@@ -3741,13 +3696,15 @@
       <p:cxnSp>
         <p:nvCxnSpPr>
           <p:cNvPr id="11" name="직선 연결선 10"/>
-          <p:cNvCxnSpPr/>
+          <p:cNvCxnSpPr>
+            <a:cxnSpLocks/>
+          </p:cNvCxnSpPr>
           <p:nvPr/>
         </p:nvCxnSpPr>
         <p:spPr>
           <a:xfrm flipH="1">
             <a:off x="2319058" y="3363838"/>
-            <a:ext cx="4228672" cy="0"/>
+            <a:ext cx="4444697" cy="0"/>
           </a:xfrm>
           <a:prstGeom prst="line">
             <a:avLst/>
@@ -3784,7 +3741,7 @@
         <p:spPr>
           <a:xfrm>
             <a:off x="2369498" y="2427734"/>
-            <a:ext cx="4362742" cy="915635"/>
+            <a:ext cx="4434750" cy="915635"/>
           </a:xfrm>
           <a:prstGeom prst="rect">
             <a:avLst/>
@@ -3799,75 +3756,80 @@
           <a:p>
             <a:r>
               <a:rPr lang="en-US" altLang="ko-KR" sz="1100" dirty="0"/>
-              <a:t>HTTP/1.1 101 Switching Protocols</a:t>
-            </a:r>
-          </a:p>
-          <a:p>
-            <a:r>
-              <a:rPr lang="en-US" altLang="ko-KR" sz="1100" dirty="0"/>
+              <a:t>HTTP/1.1 101 </a:t>
+            </a:r>
+            <a:r>
+              <a:rPr lang="en-US" altLang="ko-KR" sz="1100" b="1" dirty="0"/>
+              <a:t>Switching Protocols</a:t>
+            </a:r>
+          </a:p>
+          <a:p>
+            <a:r>
+              <a:rPr lang="en-US" altLang="ko-KR" sz="1100" b="1" dirty="0"/>
               <a:t>Upgrade: </a:t>
             </a:r>
             <a:r>
-              <a:rPr lang="en-US" altLang="ko-KR" sz="1100" dirty="0" err="1"/>
+              <a:rPr lang="en-US" altLang="ko-KR" sz="1100" b="1" dirty="0" err="1"/>
               <a:t>websocket</a:t>
             </a:r>
-            <a:endParaRPr lang="en-US" altLang="ko-KR" sz="1100" dirty="0"/>
-          </a:p>
-          <a:p>
-            <a:r>
-              <a:rPr lang="en-US" altLang="ko-KR" sz="1100" dirty="0"/>
+            <a:endParaRPr lang="en-US" altLang="ko-KR" sz="1100" b="1" dirty="0"/>
+          </a:p>
+          <a:p>
+            <a:r>
+              <a:rPr lang="en-US" altLang="ko-KR" sz="1100" b="1" dirty="0"/>
               <a:t>Connection: Upgrade</a:t>
             </a:r>
           </a:p>
           <a:p>
             <a:r>
-              <a:rPr lang="en-US" altLang="ko-KR" sz="1100" dirty="0" smtClean="0"/>
+              <a:rPr lang="en-US" altLang="ko-KR" sz="1100" b="1" dirty="0"/>
               <a:t>Sec-</a:t>
             </a:r>
             <a:r>
-              <a:rPr lang="en-US" altLang="ko-KR" sz="1100" dirty="0" err="1" smtClean="0"/>
+              <a:rPr lang="en-US" altLang="ko-KR" sz="1100" b="1" dirty="0" err="1"/>
               <a:t>WebSocket</a:t>
             </a:r>
             <a:r>
-              <a:rPr lang="en-US" altLang="ko-KR" sz="1100" dirty="0" smtClean="0"/>
+              <a:rPr lang="en-US" altLang="ko-KR" sz="1100" b="1" dirty="0"/>
               <a:t>-Accept: </a:t>
             </a:r>
             <a:r>
-              <a:rPr lang="en-US" altLang="ko-KR" sz="1100" dirty="0" err="1" smtClean="0"/>
+              <a:rPr lang="en-US" altLang="ko-KR" sz="1100" b="1" dirty="0" err="1"/>
               <a:t>HSmrc0sMlYUkAGmm5OPpG2HaGWk</a:t>
             </a:r>
             <a:r>
-              <a:rPr lang="en-US" altLang="ko-KR" sz="1100" dirty="0" smtClean="0"/>
+              <a:rPr lang="en-US" altLang="ko-KR" sz="1100" b="1" dirty="0"/>
               <a:t>=</a:t>
             </a:r>
           </a:p>
           <a:p>
             <a:r>
-              <a:rPr lang="en-US" altLang="ko-KR" sz="1100" dirty="0" smtClean="0"/>
+              <a:rPr lang="en-US" altLang="ko-KR" sz="1100" b="1" dirty="0"/>
               <a:t>Sec-</a:t>
             </a:r>
             <a:r>
-              <a:rPr lang="en-US" altLang="ko-KR" sz="1100" dirty="0" err="1" smtClean="0"/>
+              <a:rPr lang="en-US" altLang="ko-KR" sz="1100" b="1" dirty="0" err="1"/>
               <a:t>WebSocket</a:t>
             </a:r>
             <a:r>
-              <a:rPr lang="en-US" altLang="ko-KR" sz="1100" dirty="0" smtClean="0"/>
+              <a:rPr lang="en-US" altLang="ko-KR" sz="1100" b="1" dirty="0"/>
               <a:t>-Protocol: chat</a:t>
             </a:r>
-            <a:endParaRPr lang="en-US" altLang="ko-KR" sz="1100" dirty="0"/>
           </a:p>
         </p:txBody>
       </p:sp>
       <p:cxnSp>
         <p:nvCxnSpPr>
           <p:cNvPr id="25" name="직선 연결선 24"/>
-          <p:cNvCxnSpPr/>
+          <p:cNvCxnSpPr>
+            <a:cxnSpLocks/>
+          </p:cNvCxnSpPr>
           <p:nvPr/>
         </p:nvCxnSpPr>
         <p:spPr>
           <a:xfrm>
             <a:off x="2319058" y="3688075"/>
-            <a:ext cx="4228672" cy="0"/>
+            <a:ext cx="4444697" cy="0"/>
           </a:xfrm>
           <a:prstGeom prst="line">
             <a:avLst/>
@@ -3903,7 +3865,7 @@
         </p:nvSpPr>
         <p:spPr>
           <a:xfrm>
-            <a:off x="2248694" y="4129648"/>
+            <a:off x="2263643" y="4129648"/>
             <a:ext cx="4896544" cy="746358"/>
           </a:xfrm>
           <a:prstGeom prst="rect">
@@ -3918,15 +3880,15 @@
           <a:lstStyle/>
           <a:p>
             <a:r>
-              <a:rPr lang="en-US" altLang="ko-KR" sz="1100" dirty="0" smtClean="0"/>
+              <a:rPr lang="en-US" altLang="ko-KR" sz="1100" dirty="0"/>
               <a:t>Sec-</a:t>
             </a:r>
             <a:r>
-              <a:rPr lang="en-US" altLang="ko-KR" sz="1100" dirty="0" err="1" smtClean="0"/>
+              <a:rPr lang="en-US" altLang="ko-KR" sz="1100" dirty="0" err="1"/>
               <a:t>WebSocket</a:t>
             </a:r>
             <a:r>
-              <a:rPr lang="en-US" altLang="ko-KR" sz="1100" dirty="0" smtClean="0"/>
+              <a:rPr lang="en-US" altLang="ko-KR" sz="1100" dirty="0"/>
               <a:t>-Accept </a:t>
             </a:r>
           </a:p>
@@ -3936,24 +3898,20 @@
               <a:t>= </a:t>
             </a:r>
             <a:r>
-              <a:rPr lang="en-US" altLang="ko-KR" sz="1100" dirty="0" err="1" smtClean="0"/>
+              <a:rPr lang="en-US" altLang="ko-KR" sz="1100" dirty="0" err="1"/>
               <a:t>base64</a:t>
             </a:r>
             <a:r>
-              <a:rPr lang="en-US" altLang="ko-KR" sz="1100" dirty="0" smtClean="0"/>
+              <a:rPr lang="en-US" altLang="ko-KR" sz="1100" dirty="0"/>
               <a:t>(</a:t>
             </a:r>
             <a:r>
-              <a:rPr lang="en-US" altLang="ko-KR" sz="1100" dirty="0" err="1" smtClean="0"/>
+              <a:rPr lang="en-US" altLang="ko-KR" sz="1100" dirty="0" err="1"/>
               <a:t>SHA</a:t>
             </a:r>
             <a:r>
-              <a:rPr lang="en-US" altLang="ko-KR" sz="1100" dirty="0" smtClean="0"/>
-              <a:t>-1(</a:t>
-            </a:r>
-            <a:r>
               <a:rPr lang="en-US" altLang="ko-KR" sz="1100" dirty="0"/>
-              <a:t>Sec-</a:t>
+              <a:t>-1(Sec-</a:t>
             </a:r>
             <a:r>
               <a:rPr lang="en-US" altLang="ko-KR" sz="1100" dirty="0" err="1"/>
@@ -3963,25 +3921,24 @@
               <a:rPr lang="en-US" altLang="ko-KR" sz="1100" dirty="0"/>
               <a:t>-Key </a:t>
             </a:r>
-            <a:endParaRPr lang="en-US" altLang="ko-KR" sz="1100" dirty="0" smtClean="0"/>
-          </a:p>
-          <a:p>
-            <a:r>
-              <a:rPr lang="en-US" altLang="ko-KR" sz="1100" dirty="0" smtClean="0"/>
+          </a:p>
+          <a:p>
+            <a:r>
+              <a:rPr lang="en-US" altLang="ko-KR" sz="1100" dirty="0"/>
               <a:t>   + CONCATENATE(</a:t>
             </a:r>
             <a:r>
-              <a:rPr lang="en-US" altLang="ko-KR" sz="1100" dirty="0" err="1" smtClean="0"/>
+              <a:rPr lang="en-US" altLang="ko-KR" sz="1100" dirty="0" err="1"/>
               <a:t>258EAFA5-E914-47DA-95CA-C5AB0DC85B11</a:t>
             </a:r>
             <a:r>
-              <a:rPr lang="en-US" altLang="ko-KR" sz="1100" dirty="0" smtClean="0"/>
+              <a:rPr lang="en-US" altLang="ko-KR" sz="1100" dirty="0"/>
               <a:t>)))</a:t>
             </a:r>
           </a:p>
           <a:p>
             <a:r>
-              <a:rPr lang="en-US" altLang="ko-KR" sz="1100" dirty="0" smtClean="0"/>
+              <a:rPr lang="en-US" altLang="ko-KR" sz="1100" dirty="0"/>
               <a:t>= </a:t>
             </a:r>
             <a:r>
@@ -3999,13 +3956,15 @@
       <p:cxnSp>
         <p:nvCxnSpPr>
           <p:cNvPr id="17" name="직선 연결선 16"/>
-          <p:cNvCxnSpPr/>
+          <p:cNvCxnSpPr>
+            <a:cxnSpLocks/>
+          </p:cNvCxnSpPr>
           <p:nvPr/>
         </p:nvCxnSpPr>
         <p:spPr>
           <a:xfrm>
             <a:off x="2319059" y="3832091"/>
-            <a:ext cx="4228671" cy="0"/>
+            <a:ext cx="4444696" cy="0"/>
           </a:xfrm>
           <a:prstGeom prst="line">
             <a:avLst/>
@@ -4036,13 +3995,15 @@
       <p:cxnSp>
         <p:nvCxnSpPr>
           <p:cNvPr id="18" name="직선 연결선 17"/>
-          <p:cNvCxnSpPr/>
+          <p:cNvCxnSpPr>
+            <a:cxnSpLocks/>
+          </p:cNvCxnSpPr>
           <p:nvPr/>
         </p:nvCxnSpPr>
         <p:spPr>
           <a:xfrm>
             <a:off x="2319059" y="3976107"/>
-            <a:ext cx="4228671" cy="0"/>
+            <a:ext cx="4444696" cy="0"/>
           </a:xfrm>
           <a:prstGeom prst="line">
             <a:avLst/>
@@ -4078,7 +4039,7 @@
         </p:nvSpPr>
         <p:spPr>
           <a:xfrm>
-            <a:off x="2801545" y="3449548"/>
+            <a:off x="2801545" y="3458081"/>
             <a:ext cx="3498646" cy="238527"/>
           </a:xfrm>
           <a:prstGeom prst="rect">
@@ -4094,10 +4055,9 @@
           <a:p>
             <a:pPr algn="ctr"/>
             <a:r>
-              <a:rPr lang="en-US" altLang="ko-KR" sz="1100" dirty="0" smtClean="0"/>
+              <a:rPr lang="en-US" altLang="ko-KR" sz="1100" dirty="0"/>
               <a:t>Message</a:t>
             </a:r>
-            <a:endParaRPr lang="en-US" altLang="ko-KR" sz="1100" dirty="0"/>
           </a:p>
         </p:txBody>
       </p:sp>

--- a/images/theory_analysis/WebSocket/WebSocket.pptx
+++ b/images/theory_analysis/WebSocket/WebSocket.pptx
@@ -213,7 +213,7 @@
           <a:p>
             <a:fld id="{6CD5550B-26C4-49A9-A5BA-636EF7BE6CE9}" type="datetimeFigureOut">
               <a:rPr lang="ko-KR" altLang="en-US" smtClean="0"/>
-              <a:t>2022-01-01</a:t>
+              <a:t>2022-01-02</a:t>
             </a:fld>
             <a:endParaRPr lang="ko-KR" altLang="en-US"/>
           </a:p>
@@ -659,7 +659,7 @@
           <a:p>
             <a:fld id="{FB30EDBD-1C2D-4C1E-B459-B60219FAB484}" type="datetimeFigureOut">
               <a:rPr lang="ko-KR" altLang="en-US" smtClean="0"/>
-              <a:t>2022-01-01</a:t>
+              <a:t>2022-01-02</a:t>
             </a:fld>
             <a:endParaRPr lang="ko-KR" altLang="en-US"/>
           </a:p>
@@ -822,7 +822,7 @@
           <a:p>
             <a:fld id="{FB30EDBD-1C2D-4C1E-B459-B60219FAB484}" type="datetimeFigureOut">
               <a:rPr lang="ko-KR" altLang="en-US" smtClean="0"/>
-              <a:t>2022-01-01</a:t>
+              <a:t>2022-01-02</a:t>
             </a:fld>
             <a:endParaRPr lang="ko-KR" altLang="en-US"/>
           </a:p>
@@ -995,7 +995,7 @@
           <a:p>
             <a:fld id="{FB30EDBD-1C2D-4C1E-B459-B60219FAB484}" type="datetimeFigureOut">
               <a:rPr lang="ko-KR" altLang="en-US" smtClean="0"/>
-              <a:t>2022-01-01</a:t>
+              <a:t>2022-01-02</a:t>
             </a:fld>
             <a:endParaRPr lang="ko-KR" altLang="en-US"/>
           </a:p>
@@ -1158,7 +1158,7 @@
           <a:p>
             <a:fld id="{FB30EDBD-1C2D-4C1E-B459-B60219FAB484}" type="datetimeFigureOut">
               <a:rPr lang="ko-KR" altLang="en-US" smtClean="0"/>
-              <a:t>2022-01-01</a:t>
+              <a:t>2022-01-02</a:t>
             </a:fld>
             <a:endParaRPr lang="ko-KR" altLang="en-US"/>
           </a:p>
@@ -1398,7 +1398,7 @@
           <a:p>
             <a:fld id="{FB30EDBD-1C2D-4C1E-B459-B60219FAB484}" type="datetimeFigureOut">
               <a:rPr lang="ko-KR" altLang="en-US" smtClean="0"/>
-              <a:t>2022-01-01</a:t>
+              <a:t>2022-01-02</a:t>
             </a:fld>
             <a:endParaRPr lang="ko-KR" altLang="en-US"/>
           </a:p>
@@ -1678,7 +1678,7 @@
           <a:p>
             <a:fld id="{FB30EDBD-1C2D-4C1E-B459-B60219FAB484}" type="datetimeFigureOut">
               <a:rPr lang="ko-KR" altLang="en-US" smtClean="0"/>
-              <a:t>2022-01-01</a:t>
+              <a:t>2022-01-02</a:t>
             </a:fld>
             <a:endParaRPr lang="ko-KR" altLang="en-US"/>
           </a:p>
@@ -2092,7 +2092,7 @@
           <a:p>
             <a:fld id="{FB30EDBD-1C2D-4C1E-B459-B60219FAB484}" type="datetimeFigureOut">
               <a:rPr lang="ko-KR" altLang="en-US" smtClean="0"/>
-              <a:t>2022-01-01</a:t>
+              <a:t>2022-01-02</a:t>
             </a:fld>
             <a:endParaRPr lang="ko-KR" altLang="en-US"/>
           </a:p>
@@ -2204,7 +2204,7 @@
           <a:p>
             <a:fld id="{FB30EDBD-1C2D-4C1E-B459-B60219FAB484}" type="datetimeFigureOut">
               <a:rPr lang="ko-KR" altLang="en-US" smtClean="0"/>
-              <a:t>2022-01-01</a:t>
+              <a:t>2022-01-02</a:t>
             </a:fld>
             <a:endParaRPr lang="ko-KR" altLang="en-US"/>
           </a:p>
@@ -2294,7 +2294,7 @@
           <a:p>
             <a:fld id="{FB30EDBD-1C2D-4C1E-B459-B60219FAB484}" type="datetimeFigureOut">
               <a:rPr lang="ko-KR" altLang="en-US" smtClean="0"/>
-              <a:t>2022-01-01</a:t>
+              <a:t>2022-01-02</a:t>
             </a:fld>
             <a:endParaRPr lang="ko-KR" altLang="en-US"/>
           </a:p>
@@ -2564,7 +2564,7 @@
           <a:p>
             <a:fld id="{FB30EDBD-1C2D-4C1E-B459-B60219FAB484}" type="datetimeFigureOut">
               <a:rPr lang="ko-KR" altLang="en-US" smtClean="0"/>
-              <a:t>2022-01-01</a:t>
+              <a:t>2022-01-02</a:t>
             </a:fld>
             <a:endParaRPr lang="ko-KR" altLang="en-US"/>
           </a:p>
@@ -2811,7 +2811,7 @@
           <a:p>
             <a:fld id="{FB30EDBD-1C2D-4C1E-B459-B60219FAB484}" type="datetimeFigureOut">
               <a:rPr lang="ko-KR" altLang="en-US" smtClean="0"/>
-              <a:t>2022-01-01</a:t>
+              <a:t>2022-01-02</a:t>
             </a:fld>
             <a:endParaRPr lang="ko-KR" altLang="en-US"/>
           </a:p>
@@ -3017,7 +3017,7 @@
           <a:p>
             <a:fld id="{FB30EDBD-1C2D-4C1E-B459-B60219FAB484}" type="datetimeFigureOut">
               <a:rPr lang="ko-KR" altLang="en-US" smtClean="0"/>
-              <a:t>2022-01-01</a:t>
+              <a:t>2022-01-02</a:t>
             </a:fld>
             <a:endParaRPr lang="ko-KR" altLang="en-US"/>
           </a:p>
@@ -3398,13 +3398,13 @@
         </p:nvCxnSpPr>
         <p:spPr>
           <a:xfrm>
-            <a:off x="2319059" y="910050"/>
-            <a:ext cx="0" cy="3206709"/>
+            <a:off x="2319059" y="848494"/>
+            <a:ext cx="0" cy="3268265"/>
           </a:xfrm>
           <a:prstGeom prst="line">
             <a:avLst/>
           </a:prstGeom>
-          <a:ln w="28575">
+          <a:ln w="19050">
             <a:solidFill>
               <a:schemeClr val="tx1"/>
             </a:solidFill>
@@ -3433,8 +3433,8 @@
         </p:nvSpPr>
         <p:spPr>
           <a:xfrm>
-            <a:off x="1434269" y="286802"/>
-            <a:ext cx="1769580" cy="623248"/>
+            <a:off x="1434269" y="348357"/>
+            <a:ext cx="1769580" cy="500137"/>
           </a:xfrm>
           <a:prstGeom prst="rect">
             <a:avLst/>
@@ -3449,22 +3449,22 @@
           <a:p>
             <a:pPr algn="ctr"/>
             <a:r>
-              <a:rPr lang="en-US" altLang="ko-KR"/>
+              <a:rPr lang="en-US" altLang="ko-KR" sz="1400"/>
               <a:t>Web</a:t>
             </a:r>
             <a:r>
-              <a:rPr lang="ko-KR" altLang="en-US"/>
+              <a:rPr lang="ko-KR" altLang="en-US" sz="1400"/>
               <a:t> </a:t>
             </a:r>
-            <a:endParaRPr lang="en-US" altLang="ko-KR"/>
+            <a:endParaRPr lang="en-US" altLang="ko-KR" sz="1400"/>
           </a:p>
           <a:p>
             <a:pPr algn="ctr"/>
             <a:r>
-              <a:rPr lang="en-US" altLang="ko-KR"/>
+              <a:rPr lang="en-US" altLang="ko-KR" sz="1400"/>
               <a:t>Browser</a:t>
             </a:r>
-            <a:endParaRPr lang="ko-KR" altLang="en-US" dirty="0"/>
+            <a:endParaRPr lang="ko-KR" altLang="en-US" sz="1400" dirty="0"/>
           </a:p>
         </p:txBody>
       </p:sp>
@@ -3478,13 +3478,13 @@
         </p:nvCxnSpPr>
         <p:spPr>
           <a:xfrm>
-            <a:off x="6763755" y="771550"/>
-            <a:ext cx="0" cy="3345209"/>
+            <a:off x="6763755" y="740772"/>
+            <a:ext cx="0" cy="3375987"/>
           </a:xfrm>
           <a:prstGeom prst="line">
             <a:avLst/>
           </a:prstGeom>
-          <a:ln w="28575">
+          <a:ln w="19050">
             <a:solidFill>
               <a:schemeClr val="tx1"/>
             </a:solidFill>
@@ -3513,8 +3513,8 @@
         </p:nvSpPr>
         <p:spPr>
           <a:xfrm>
-            <a:off x="6363221" y="425301"/>
-            <a:ext cx="801067" cy="346249"/>
+            <a:off x="6363221" y="456079"/>
+            <a:ext cx="801067" cy="284693"/>
           </a:xfrm>
           <a:prstGeom prst="rect">
             <a:avLst/>
@@ -3529,10 +3529,10 @@
           <a:p>
             <a:pPr algn="ctr"/>
             <a:r>
-              <a:rPr lang="en-US" altLang="ko-KR" dirty="0"/>
+              <a:rPr lang="en-US" altLang="ko-KR" sz="1400" dirty="0"/>
               <a:t>Server</a:t>
             </a:r>
-            <a:endParaRPr lang="ko-KR" altLang="en-US" dirty="0"/>
+            <a:endParaRPr lang="ko-KR" altLang="en-US" sz="1400" dirty="0"/>
           </a:p>
         </p:txBody>
       </p:sp>
@@ -3552,7 +3552,7 @@
           <a:prstGeom prst="line">
             <a:avLst/>
           </a:prstGeom>
-          <a:ln w="28575">
+          <a:ln w="19050">
             <a:solidFill>
               <a:schemeClr val="tx1"/>
             </a:solidFill>
@@ -3709,7 +3709,7 @@
           <a:prstGeom prst="line">
             <a:avLst/>
           </a:prstGeom>
-          <a:ln w="28575">
+          <a:ln w="19050">
             <a:solidFill>
               <a:schemeClr val="tx1"/>
             </a:solidFill>
@@ -3834,7 +3834,7 @@
           <a:prstGeom prst="line">
             <a:avLst/>
           </a:prstGeom>
-          <a:ln w="28575">
+          <a:ln w="19050">
             <a:solidFill>
               <a:schemeClr val="tx1"/>
             </a:solidFill>
@@ -3969,7 +3969,7 @@
           <a:prstGeom prst="line">
             <a:avLst/>
           </a:prstGeom>
-          <a:ln w="28575">
+          <a:ln w="19050">
             <a:solidFill>
               <a:schemeClr val="tx1"/>
             </a:solidFill>
@@ -4008,7 +4008,7 @@
           <a:prstGeom prst="line">
             <a:avLst/>
           </a:prstGeom>
-          <a:ln w="28575">
+          <a:ln w="19050">
             <a:solidFill>
               <a:schemeClr val="tx1"/>
             </a:solidFill>
@@ -4055,9 +4055,10 @@
           <a:p>
             <a:pPr algn="ctr"/>
             <a:r>
-              <a:rPr lang="en-US" altLang="ko-KR" sz="1100" dirty="0"/>
-              <a:t>Message</a:t>
-            </a:r>
+              <a:rPr lang="en-US" altLang="ko-KR" sz="1100"/>
+              <a:t>Messages (WebSocket)</a:t>
+            </a:r>
+            <a:endParaRPr lang="en-US" altLang="ko-KR" sz="1100" dirty="0"/>
           </a:p>
         </p:txBody>
       </p:sp>
